--- a/SQ Capstone Presentation.pptx
+++ b/SQ Capstone Presentation.pptx
@@ -11756,10 +11756,10 @@
       </p:sp>
       <p:pic>
         <p:nvPicPr>
-          <p:cNvPr id="4" name="Content Placeholder 3">
+          <p:cNvPr id="7" name="内容占位符 6">
             <a:extLst>
               <a:ext uri="{FF2B5EF4-FFF2-40B4-BE49-F238E27FC236}">
-                <a16:creationId xmlns:a16="http://schemas.microsoft.com/office/drawing/2014/main" id="{E122B9D5-1AA4-E942-8806-A15CDB674813}"/>
+                <a16:creationId xmlns:a16="http://schemas.microsoft.com/office/drawing/2014/main" id="{93A3B569-049B-4472-B80B-CD7668C3EA7A}"/>
               </a:ext>
             </a:extLst>
           </p:cNvPr>
@@ -11778,12 +11778,9 @@
         </p:blipFill>
         <p:spPr>
           <a:xfrm>
-            <a:off x="1868405" y="1064806"/>
-            <a:ext cx="8432753" cy="2782808"/>
+            <a:off x="2328421" y="696201"/>
+            <a:ext cx="7362334" cy="3085413"/>
           </a:xfrm>
-          <a:prstGeom prst="rect">
-            <a:avLst/>
-          </a:prstGeom>
         </p:spPr>
       </p:pic>
     </p:spTree>
@@ -12538,7 +12535,7 @@
           </a:effectLst>
           <a:extLst>
             <a:ext uri="{91240B29-F687-4f45-9708-019B960494DF}">
-              <a14:hiddenLine xmlns:a16="http://schemas.microsoft.com/office/drawing/2014/main" xmlns:p14="http://schemas.microsoft.com/office/powerpoint/2010/main" xmlns:a14="http://schemas.microsoft.com/office/drawing/2010/main" xmlns="" w="9525">
+              <a14:hiddenLine xmlns="" xmlns:a14="http://schemas.microsoft.com/office/drawing/2010/main" xmlns:p14="http://schemas.microsoft.com/office/powerpoint/2010/main" xmlns:a16="http://schemas.microsoft.com/office/drawing/2014/main" w="9525">
                 <a:solidFill>
                   <a:srgbClr val="000000"/>
                 </a:solidFill>
